--- a/images/projects/buttons02.pptx
+++ b/images/projects/buttons02.pptx
@@ -6,7 +6,6 @@
   </p:sldMasterIdLst>
   <p:sldIdLst>
     <p:sldId id="257" r:id="rId2"/>
-    <p:sldId id="256" r:id="rId3"/>
   </p:sldIdLst>
   <p:sldSz cx="12192000" cy="6858000"/>
   <p:notesSz cx="6858000" cy="9144000"/>
@@ -4508,7 +4507,7 @@
                 <a:latin typeface="Noto Sans InsParthi" panose="020F0502020204030204" pitchFamily="34" charset="0"/>
                 <a:cs typeface="Noto Sans InsParthi" panose="020F0502020204030204" pitchFamily="34" charset="0"/>
               </a:rPr>
-              <a:t> &amp; tubular necrosis </a:t>
+              <a:t> and tubular necrosis </a:t>
             </a:r>
             <a:r>
               <a:rPr lang="en-GB" sz="1400" dirty="0">
@@ -5083,1580 +5082,6 @@
     <p:extLst>
       <p:ext uri="{BB962C8B-B14F-4D97-AF65-F5344CB8AC3E}">
         <p14:creationId xmlns:p14="http://schemas.microsoft.com/office/powerpoint/2010/main" val="2582735075"/>
-      </p:ext>
-    </p:extLst>
-  </p:cSld>
-  <p:clrMapOvr>
-    <a:masterClrMapping/>
-  </p:clrMapOvr>
-</p:sld>
-</file>
-
-<file path=ppt/slides/slide2.xml><?xml version="1.0" encoding="utf-8"?>
-<p:sld xmlns:a="http://schemas.openxmlformats.org/drawingml/2006/main" xmlns:r="http://schemas.openxmlformats.org/officeDocument/2006/relationships" xmlns:p="http://schemas.openxmlformats.org/presentationml/2006/main">
-  <p:cSld>
-    <p:spTree>
-      <p:nvGrpSpPr>
-        <p:cNvPr id="1" name=""/>
-        <p:cNvGrpSpPr/>
-        <p:nvPr/>
-      </p:nvGrpSpPr>
-      <p:grpSpPr>
-        <a:xfrm>
-          <a:off x="0" y="0"/>
-          <a:ext cx="0" cy="0"/>
-          <a:chOff x="0" y="0"/>
-          <a:chExt cx="0" cy="0"/>
-        </a:xfrm>
-      </p:grpSpPr>
-      <p:sp>
-        <p:nvSpPr>
-          <p:cNvPr id="17" name="Rectangle 16">
-            <a:extLst>
-              <a:ext uri="{FF2B5EF4-FFF2-40B4-BE49-F238E27FC236}">
-                <a16:creationId xmlns:a16="http://schemas.microsoft.com/office/drawing/2014/main" id="{C8178CF5-A4BC-7E45-8B5E-7A76983D7C76}"/>
-              </a:ext>
-            </a:extLst>
-          </p:cNvPr>
-          <p:cNvSpPr/>
-          <p:nvPr/>
-        </p:nvSpPr>
-        <p:spPr>
-          <a:xfrm>
-            <a:off x="9244083" y="3061997"/>
-            <a:ext cx="1740989" cy="711959"/>
-          </a:xfrm>
-          <a:prstGeom prst="rect">
-            <a:avLst/>
-          </a:prstGeom>
-          <a:solidFill>
-            <a:srgbClr val="2E5287"/>
-          </a:solidFill>
-          <a:ln>
-            <a:solidFill>
-              <a:srgbClr val="2E5287"/>
-            </a:solidFill>
-          </a:ln>
-        </p:spPr>
-        <p:style>
-          <a:lnRef idx="2">
-            <a:schemeClr val="accent1">
-              <a:shade val="50000"/>
-            </a:schemeClr>
-          </a:lnRef>
-          <a:fillRef idx="1">
-            <a:schemeClr val="accent1"/>
-          </a:fillRef>
-          <a:effectRef idx="0">
-            <a:schemeClr val="accent1"/>
-          </a:effectRef>
-          <a:fontRef idx="minor">
-            <a:schemeClr val="lt1"/>
-          </a:fontRef>
-        </p:style>
-        <p:txBody>
-          <a:bodyPr rtlCol="0" anchor="t"/>
-          <a:lstStyle/>
-          <a:p>
-            <a:r>
-              <a:rPr lang="en-GB" sz="1400" dirty="0">
-                <a:solidFill>
-                  <a:schemeClr val="bg1"/>
-                </a:solidFill>
-                <a:latin typeface="Noto Sans InsParthi" panose="020F0502020204030204" pitchFamily="34" charset="0"/>
-                <a:cs typeface="Noto Sans InsParthi" panose="020F0502020204030204" pitchFamily="34" charset="0"/>
-              </a:rPr>
-              <a:t>Kidney </a:t>
-            </a:r>
-            <a:r>
-              <a:rPr lang="en-GB" sz="1400" dirty="0" err="1">
-                <a:solidFill>
-                  <a:schemeClr val="bg1"/>
-                </a:solidFill>
-                <a:latin typeface="Noto Sans InsParthi" panose="020F0502020204030204" pitchFamily="34" charset="0"/>
-                <a:cs typeface="Noto Sans InsParthi" panose="020F0502020204030204" pitchFamily="34" charset="0"/>
-              </a:rPr>
-              <a:t>crystallopathy</a:t>
-            </a:r>
-            <a:r>
-              <a:rPr lang="en-GB" sz="1400" dirty="0">
-                <a:solidFill>
-                  <a:schemeClr val="bg1"/>
-                </a:solidFill>
-                <a:latin typeface="Noto Sans InsParthi" panose="020F0502020204030204" pitchFamily="34" charset="0"/>
-                <a:cs typeface="Noto Sans InsParthi" panose="020F0502020204030204" pitchFamily="34" charset="0"/>
-              </a:rPr>
-              <a:t> and tubular necrosis ★☆☆☆☆</a:t>
-            </a:r>
-          </a:p>
-        </p:txBody>
-      </p:sp>
-      <p:sp>
-        <p:nvSpPr>
-          <p:cNvPr id="18" name="Rectangle 17">
-            <a:extLst>
-              <a:ext uri="{FF2B5EF4-FFF2-40B4-BE49-F238E27FC236}">
-                <a16:creationId xmlns:a16="http://schemas.microsoft.com/office/drawing/2014/main" id="{594C2D7C-E9BC-2447-8AC7-DFF19ED356C1}"/>
-              </a:ext>
-            </a:extLst>
-          </p:cNvPr>
-          <p:cNvSpPr/>
-          <p:nvPr/>
-        </p:nvSpPr>
-        <p:spPr>
-          <a:xfrm>
-            <a:off x="9244083" y="2156344"/>
-            <a:ext cx="1740989" cy="711960"/>
-          </a:xfrm>
-          <a:prstGeom prst="rect">
-            <a:avLst/>
-          </a:prstGeom>
-          <a:solidFill>
-            <a:srgbClr val="2E5287"/>
-          </a:solidFill>
-          <a:ln>
-            <a:solidFill>
-              <a:srgbClr val="2E5287"/>
-            </a:solidFill>
-          </a:ln>
-        </p:spPr>
-        <p:style>
-          <a:lnRef idx="2">
-            <a:schemeClr val="accent1">
-              <a:shade val="50000"/>
-            </a:schemeClr>
-          </a:lnRef>
-          <a:fillRef idx="1">
-            <a:schemeClr val="accent1"/>
-          </a:fillRef>
-          <a:effectRef idx="0">
-            <a:schemeClr val="accent1"/>
-          </a:effectRef>
-          <a:fontRef idx="minor">
-            <a:schemeClr val="lt1"/>
-          </a:fontRef>
-        </p:style>
-        <p:txBody>
-          <a:bodyPr rtlCol="0" anchor="t"/>
-          <a:lstStyle/>
-          <a:p>
-            <a:r>
-              <a:rPr lang="en-GB" sz="1400" dirty="0">
-                <a:solidFill>
-                  <a:schemeClr val="bg1"/>
-                </a:solidFill>
-                <a:latin typeface="Noto Sans InsParthi" panose="020F0502020204030204" pitchFamily="34" charset="0"/>
-                <a:cs typeface="Noto Sans InsParthi" panose="020F0502020204030204" pitchFamily="34" charset="0"/>
-              </a:rPr>
-              <a:t>Neural tube closure defects </a:t>
-            </a:r>
-          </a:p>
-          <a:p>
-            <a:r>
-              <a:rPr lang="en-GB" sz="1400" dirty="0">
-                <a:solidFill>
-                  <a:schemeClr val="bg1"/>
-                </a:solidFill>
-                <a:latin typeface="Noto Sans InsParthi" panose="020F0502020204030204" pitchFamily="34" charset="0"/>
-                <a:cs typeface="Noto Sans InsParthi" panose="020F0502020204030204" pitchFamily="34" charset="0"/>
-              </a:rPr>
-              <a:t>★★★★☆</a:t>
-            </a:r>
-          </a:p>
-        </p:txBody>
-      </p:sp>
-      <p:sp>
-        <p:nvSpPr>
-          <p:cNvPr id="19" name="Rectangle 18">
-            <a:extLst>
-              <a:ext uri="{FF2B5EF4-FFF2-40B4-BE49-F238E27FC236}">
-                <a16:creationId xmlns:a16="http://schemas.microsoft.com/office/drawing/2014/main" id="{1C23FB19-471D-3C48-88AA-761CF01B4765}"/>
-              </a:ext>
-            </a:extLst>
-          </p:cNvPr>
-          <p:cNvSpPr/>
-          <p:nvPr/>
-        </p:nvSpPr>
-        <p:spPr>
-          <a:xfrm>
-            <a:off x="9244083" y="3967649"/>
-            <a:ext cx="1740989" cy="711959"/>
-          </a:xfrm>
-          <a:prstGeom prst="rect">
-            <a:avLst/>
-          </a:prstGeom>
-          <a:solidFill>
-            <a:srgbClr val="2E5287"/>
-          </a:solidFill>
-          <a:ln>
-            <a:solidFill>
-              <a:srgbClr val="2E5287"/>
-            </a:solidFill>
-          </a:ln>
-        </p:spPr>
-        <p:style>
-          <a:lnRef idx="2">
-            <a:schemeClr val="accent1">
-              <a:shade val="50000"/>
-            </a:schemeClr>
-          </a:lnRef>
-          <a:fillRef idx="1">
-            <a:schemeClr val="accent1"/>
-          </a:fillRef>
-          <a:effectRef idx="0">
-            <a:schemeClr val="accent1"/>
-          </a:effectRef>
-          <a:fontRef idx="minor">
-            <a:schemeClr val="lt1"/>
-          </a:fontRef>
-        </p:style>
-        <p:txBody>
-          <a:bodyPr rtlCol="0" anchor="t"/>
-          <a:lstStyle/>
-          <a:p>
-            <a:r>
-              <a:rPr lang="en-GB" sz="1400" dirty="0">
-                <a:solidFill>
-                  <a:schemeClr val="bg1"/>
-                </a:solidFill>
-                <a:latin typeface="Noto Sans InsParthi" panose="020F0502020204030204" pitchFamily="34" charset="0"/>
-                <a:cs typeface="Noto Sans InsParthi" panose="020F0502020204030204" pitchFamily="34" charset="0"/>
-              </a:rPr>
-              <a:t>Cognitive function defects</a:t>
-            </a:r>
-          </a:p>
-          <a:p>
-            <a:r>
-              <a:rPr lang="en-GB" sz="1400" dirty="0">
-                <a:solidFill>
-                  <a:schemeClr val="bg1"/>
-                </a:solidFill>
-                <a:latin typeface="Noto Sans InsParthi" panose="020F0502020204030204" pitchFamily="34" charset="0"/>
-                <a:cs typeface="Noto Sans InsParthi" panose="020F0502020204030204" pitchFamily="34" charset="0"/>
-              </a:rPr>
-              <a:t>★☆☆☆☆</a:t>
-            </a:r>
-          </a:p>
-        </p:txBody>
-      </p:sp>
-      <p:sp>
-        <p:nvSpPr>
-          <p:cNvPr id="20" name="Rectangle 19">
-            <a:extLst>
-              <a:ext uri="{FF2B5EF4-FFF2-40B4-BE49-F238E27FC236}">
-                <a16:creationId xmlns:a16="http://schemas.microsoft.com/office/drawing/2014/main" id="{4FD684CD-23BA-F54F-8124-6543E48E393B}"/>
-              </a:ext>
-            </a:extLst>
-          </p:cNvPr>
-          <p:cNvSpPr/>
-          <p:nvPr/>
-        </p:nvSpPr>
-        <p:spPr>
-          <a:xfrm>
-            <a:off x="9244082" y="1250691"/>
-            <a:ext cx="1740989" cy="711960"/>
-          </a:xfrm>
-          <a:prstGeom prst="rect">
-            <a:avLst/>
-          </a:prstGeom>
-          <a:solidFill>
-            <a:srgbClr val="2E5287"/>
-          </a:solidFill>
-          <a:ln>
-            <a:solidFill>
-              <a:srgbClr val="2E5287"/>
-            </a:solidFill>
-          </a:ln>
-        </p:spPr>
-        <p:style>
-          <a:lnRef idx="2">
-            <a:schemeClr val="accent1">
-              <a:shade val="50000"/>
-            </a:schemeClr>
-          </a:lnRef>
-          <a:fillRef idx="1">
-            <a:schemeClr val="accent1"/>
-          </a:fillRef>
-          <a:effectRef idx="0">
-            <a:schemeClr val="accent1"/>
-          </a:effectRef>
-          <a:fontRef idx="minor">
-            <a:schemeClr val="lt1"/>
-          </a:fontRef>
-        </p:style>
-        <p:txBody>
-          <a:bodyPr rtlCol="0" anchor="t"/>
-          <a:lstStyle/>
-          <a:p>
-            <a:r>
-              <a:rPr lang="en-GB" sz="1400" dirty="0">
-                <a:solidFill>
-                  <a:schemeClr val="bg1"/>
-                </a:solidFill>
-                <a:latin typeface="Noto Sans InsParthi" panose="020F0502020204030204" pitchFamily="34" charset="0"/>
-                <a:cs typeface="Noto Sans InsParthi" panose="020F0502020204030204" pitchFamily="34" charset="0"/>
-              </a:rPr>
-              <a:t>Acute inflammation</a:t>
-            </a:r>
-          </a:p>
-          <a:p>
-            <a:r>
-              <a:rPr lang="en-GB" sz="1400" dirty="0">
-                <a:solidFill>
-                  <a:schemeClr val="bg1"/>
-                </a:solidFill>
-                <a:latin typeface="Noto Sans InsParthi" panose="020F0502020204030204" pitchFamily="34" charset="0"/>
-                <a:cs typeface="Noto Sans InsParthi" panose="020F0502020204030204" pitchFamily="34" charset="0"/>
-              </a:rPr>
-              <a:t>★★★★★</a:t>
-            </a:r>
-          </a:p>
-        </p:txBody>
-      </p:sp>
-      <p:sp>
-        <p:nvSpPr>
-          <p:cNvPr id="22" name="Rectangle 21">
-            <a:extLst>
-              <a:ext uri="{FF2B5EF4-FFF2-40B4-BE49-F238E27FC236}">
-                <a16:creationId xmlns:a16="http://schemas.microsoft.com/office/drawing/2014/main" id="{359F32BC-69E4-A14E-BB29-C3B7885710D4}"/>
-              </a:ext>
-            </a:extLst>
-          </p:cNvPr>
-          <p:cNvSpPr/>
-          <p:nvPr/>
-        </p:nvSpPr>
-        <p:spPr>
-          <a:xfrm>
-            <a:off x="205164" y="963131"/>
-            <a:ext cx="1740989" cy="600882"/>
-          </a:xfrm>
-          <a:prstGeom prst="rect">
-            <a:avLst/>
-          </a:prstGeom>
-          <a:solidFill>
-            <a:srgbClr val="2E5287"/>
-          </a:solidFill>
-          <a:ln>
-            <a:solidFill>
-              <a:srgbClr val="2E5287"/>
-            </a:solidFill>
-          </a:ln>
-        </p:spPr>
-        <p:style>
-          <a:lnRef idx="2">
-            <a:schemeClr val="accent1">
-              <a:shade val="50000"/>
-            </a:schemeClr>
-          </a:lnRef>
-          <a:fillRef idx="1">
-            <a:schemeClr val="accent1"/>
-          </a:fillRef>
-          <a:effectRef idx="0">
-            <a:schemeClr val="accent1"/>
-          </a:effectRef>
-          <a:fontRef idx="minor">
-            <a:schemeClr val="lt1"/>
-          </a:fontRef>
-        </p:style>
-        <p:txBody>
-          <a:bodyPr rtlCol="0" anchor="t"/>
-          <a:lstStyle/>
-          <a:p>
-            <a:r>
-              <a:rPr lang="en-GB" sz="1400" dirty="0">
-                <a:solidFill>
-                  <a:schemeClr val="bg1"/>
-                </a:solidFill>
-                <a:latin typeface="Noto Sans InsParthi" panose="020F0502020204030204" pitchFamily="34" charset="0"/>
-                <a:cs typeface="Noto Sans InsParthi" panose="020F0502020204030204" pitchFamily="34" charset="0"/>
-              </a:rPr>
-              <a:t>Rheumatoid arthritis </a:t>
-            </a:r>
-          </a:p>
-          <a:p>
-            <a:r>
-              <a:rPr lang="en-GB" sz="1400" dirty="0">
-                <a:solidFill>
-                  <a:schemeClr val="bg1"/>
-                </a:solidFill>
-                <a:latin typeface="Noto Sans InsParthi" panose="020F0502020204030204" pitchFamily="34" charset="0"/>
-                <a:cs typeface="Noto Sans InsParthi" panose="020F0502020204030204" pitchFamily="34" charset="0"/>
-              </a:rPr>
-              <a:t>★★★★★</a:t>
-            </a:r>
-          </a:p>
-        </p:txBody>
-      </p:sp>
-      <p:sp>
-        <p:nvSpPr>
-          <p:cNvPr id="23" name="Rectangle 22">
-            <a:extLst>
-              <a:ext uri="{FF2B5EF4-FFF2-40B4-BE49-F238E27FC236}">
-                <a16:creationId xmlns:a16="http://schemas.microsoft.com/office/drawing/2014/main" id="{C492CC82-E640-464A-A5BC-FB006D977AD5}"/>
-              </a:ext>
-            </a:extLst>
-          </p:cNvPr>
-          <p:cNvSpPr/>
-          <p:nvPr/>
-        </p:nvSpPr>
-        <p:spPr>
-          <a:xfrm>
-            <a:off x="205164" y="1675089"/>
-            <a:ext cx="1740989" cy="600882"/>
-          </a:xfrm>
-          <a:prstGeom prst="rect">
-            <a:avLst/>
-          </a:prstGeom>
-          <a:solidFill>
-            <a:srgbClr val="2E5287"/>
-          </a:solidFill>
-          <a:ln>
-            <a:solidFill>
-              <a:srgbClr val="2E5287"/>
-            </a:solidFill>
-          </a:ln>
-        </p:spPr>
-        <p:style>
-          <a:lnRef idx="2">
-            <a:schemeClr val="accent1">
-              <a:shade val="50000"/>
-            </a:schemeClr>
-          </a:lnRef>
-          <a:fillRef idx="1">
-            <a:schemeClr val="accent1"/>
-          </a:fillRef>
-          <a:effectRef idx="0">
-            <a:schemeClr val="accent1"/>
-          </a:effectRef>
-          <a:fontRef idx="minor">
-            <a:schemeClr val="lt1"/>
-          </a:fontRef>
-        </p:style>
-        <p:txBody>
-          <a:bodyPr rtlCol="0" anchor="t"/>
-          <a:lstStyle/>
-          <a:p>
-            <a:r>
-              <a:rPr lang="en-GB" sz="1400" dirty="0">
-                <a:solidFill>
-                  <a:schemeClr val="bg1"/>
-                </a:solidFill>
-                <a:latin typeface="Noto Sans InsParthi" panose="020F0502020204030204" pitchFamily="34" charset="0"/>
-                <a:cs typeface="Noto Sans InsParthi" panose="020F0502020204030204" pitchFamily="34" charset="0"/>
-              </a:rPr>
-              <a:t>Parkinson’s disease</a:t>
-            </a:r>
-          </a:p>
-          <a:p>
-            <a:r>
-              <a:rPr lang="en-GB" sz="1400" dirty="0">
-                <a:solidFill>
-                  <a:schemeClr val="bg1"/>
-                </a:solidFill>
-                <a:latin typeface="Noto Sans InsParthi" panose="020F0502020204030204" pitchFamily="34" charset="0"/>
-                <a:cs typeface="Noto Sans InsParthi" panose="020F0502020204030204" pitchFamily="34" charset="0"/>
-              </a:rPr>
-              <a:t>★★★★★</a:t>
-            </a:r>
-          </a:p>
-        </p:txBody>
-      </p:sp>
-      <p:sp>
-        <p:nvSpPr>
-          <p:cNvPr id="24" name="Rectangle 23">
-            <a:extLst>
-              <a:ext uri="{FF2B5EF4-FFF2-40B4-BE49-F238E27FC236}">
-                <a16:creationId xmlns:a16="http://schemas.microsoft.com/office/drawing/2014/main" id="{FD404F47-34C7-C240-93DE-ED29993245BC}"/>
-              </a:ext>
-            </a:extLst>
-          </p:cNvPr>
-          <p:cNvSpPr/>
-          <p:nvPr/>
-        </p:nvSpPr>
-        <p:spPr>
-          <a:xfrm>
-            <a:off x="205164" y="2387047"/>
-            <a:ext cx="1740989" cy="600882"/>
-          </a:xfrm>
-          <a:prstGeom prst="rect">
-            <a:avLst/>
-          </a:prstGeom>
-          <a:solidFill>
-            <a:srgbClr val="2E5287"/>
-          </a:solidFill>
-          <a:ln>
-            <a:solidFill>
-              <a:srgbClr val="2E5287"/>
-            </a:solidFill>
-          </a:ln>
-        </p:spPr>
-        <p:style>
-          <a:lnRef idx="2">
-            <a:schemeClr val="accent1">
-              <a:shade val="50000"/>
-            </a:schemeClr>
-          </a:lnRef>
-          <a:fillRef idx="1">
-            <a:schemeClr val="accent1"/>
-          </a:fillRef>
-          <a:effectRef idx="0">
-            <a:schemeClr val="accent1"/>
-          </a:effectRef>
-          <a:fontRef idx="minor">
-            <a:schemeClr val="lt1"/>
-          </a:fontRef>
-        </p:style>
-        <p:txBody>
-          <a:bodyPr rtlCol="0" anchor="t"/>
-          <a:lstStyle/>
-          <a:p>
-            <a:r>
-              <a:rPr lang="en-GB" sz="1400" dirty="0">
-                <a:solidFill>
-                  <a:schemeClr val="bg1"/>
-                </a:solidFill>
-                <a:latin typeface="Noto Sans InsParthi" panose="020F0502020204030204" pitchFamily="34" charset="0"/>
-                <a:cs typeface="Noto Sans InsParthi" panose="020F0502020204030204" pitchFamily="34" charset="0"/>
-              </a:rPr>
-              <a:t>Asthma</a:t>
-            </a:r>
-          </a:p>
-          <a:p>
-            <a:r>
-              <a:rPr lang="en-GB" sz="1400" dirty="0">
-                <a:solidFill>
-                  <a:schemeClr val="bg1"/>
-                </a:solidFill>
-                <a:latin typeface="Noto Sans InsParthi" panose="020F0502020204030204" pitchFamily="34" charset="0"/>
-                <a:cs typeface="Noto Sans InsParthi" panose="020F0502020204030204" pitchFamily="34" charset="0"/>
-              </a:rPr>
-              <a:t>★★★☆☆</a:t>
-            </a:r>
-          </a:p>
-        </p:txBody>
-      </p:sp>
-      <p:sp>
-        <p:nvSpPr>
-          <p:cNvPr id="25" name="Rectangle 24">
-            <a:extLst>
-              <a:ext uri="{FF2B5EF4-FFF2-40B4-BE49-F238E27FC236}">
-                <a16:creationId xmlns:a16="http://schemas.microsoft.com/office/drawing/2014/main" id="{BDECE0C9-C88C-CA45-956E-EDE1405196D5}"/>
-              </a:ext>
-            </a:extLst>
-          </p:cNvPr>
-          <p:cNvSpPr/>
-          <p:nvPr/>
-        </p:nvSpPr>
-        <p:spPr>
-          <a:xfrm>
-            <a:off x="205166" y="251173"/>
-            <a:ext cx="1740989" cy="600882"/>
-          </a:xfrm>
-          <a:prstGeom prst="rect">
-            <a:avLst/>
-          </a:prstGeom>
-          <a:solidFill>
-            <a:srgbClr val="2E5287"/>
-          </a:solidFill>
-          <a:ln>
-            <a:solidFill>
-              <a:srgbClr val="2E5287"/>
-            </a:solidFill>
-          </a:ln>
-        </p:spPr>
-        <p:style>
-          <a:lnRef idx="2">
-            <a:schemeClr val="accent1">
-              <a:shade val="50000"/>
-            </a:schemeClr>
-          </a:lnRef>
-          <a:fillRef idx="1">
-            <a:schemeClr val="accent1"/>
-          </a:fillRef>
-          <a:effectRef idx="0">
-            <a:schemeClr val="accent1"/>
-          </a:effectRef>
-          <a:fontRef idx="minor">
-            <a:schemeClr val="lt1"/>
-          </a:fontRef>
-        </p:style>
-        <p:txBody>
-          <a:bodyPr rtlCol="0" anchor="t"/>
-          <a:lstStyle/>
-          <a:p>
-            <a:r>
-              <a:rPr lang="en-GB" sz="1400" dirty="0">
-                <a:solidFill>
-                  <a:schemeClr val="bg1"/>
-                </a:solidFill>
-                <a:latin typeface="Noto Sans InsParthi" panose="020F0502020204030204" pitchFamily="34" charset="0"/>
-                <a:cs typeface="Noto Sans InsParthi" panose="020F0502020204030204" pitchFamily="34" charset="0"/>
-              </a:rPr>
-              <a:t>COVID-19</a:t>
-            </a:r>
-          </a:p>
-          <a:p>
-            <a:r>
-              <a:rPr lang="en-GB" sz="1400" dirty="0">
-                <a:solidFill>
-                  <a:schemeClr val="bg1"/>
-                </a:solidFill>
-                <a:latin typeface="Noto Sans InsParthi" panose="020F0502020204030204" pitchFamily="34" charset="0"/>
-                <a:cs typeface="Noto Sans InsParthi" panose="020F0502020204030204" pitchFamily="34" charset="0"/>
-              </a:rPr>
-              <a:t>★★★★★</a:t>
-            </a:r>
-          </a:p>
-        </p:txBody>
-      </p:sp>
-      <p:sp>
-        <p:nvSpPr>
-          <p:cNvPr id="2" name="Rectangle 1">
-            <a:extLst>
-              <a:ext uri="{FF2B5EF4-FFF2-40B4-BE49-F238E27FC236}">
-                <a16:creationId xmlns:a16="http://schemas.microsoft.com/office/drawing/2014/main" id="{5DF0B8C3-F5E1-767D-23ED-23D99CA24AF7}"/>
-              </a:ext>
-            </a:extLst>
-          </p:cNvPr>
-          <p:cNvSpPr/>
-          <p:nvPr/>
-        </p:nvSpPr>
-        <p:spPr>
-          <a:xfrm>
-            <a:off x="205163" y="3104036"/>
-            <a:ext cx="1740989" cy="600882"/>
-          </a:xfrm>
-          <a:prstGeom prst="rect">
-            <a:avLst/>
-          </a:prstGeom>
-          <a:solidFill>
-            <a:srgbClr val="2E5287"/>
-          </a:solidFill>
-          <a:ln>
-            <a:solidFill>
-              <a:srgbClr val="2E5287"/>
-            </a:solidFill>
-          </a:ln>
-        </p:spPr>
-        <p:style>
-          <a:lnRef idx="2">
-            <a:schemeClr val="accent1">
-              <a:shade val="50000"/>
-            </a:schemeClr>
-          </a:lnRef>
-          <a:fillRef idx="1">
-            <a:schemeClr val="accent1"/>
-          </a:fillRef>
-          <a:effectRef idx="0">
-            <a:schemeClr val="accent1"/>
-          </a:effectRef>
-          <a:fontRef idx="minor">
-            <a:schemeClr val="lt1"/>
-          </a:fontRef>
-        </p:style>
-        <p:txBody>
-          <a:bodyPr rtlCol="0" anchor="t"/>
-          <a:lstStyle/>
-          <a:p>
-            <a:r>
-              <a:rPr lang="en-GB" sz="1400" dirty="0">
-                <a:solidFill>
-                  <a:schemeClr val="bg1"/>
-                </a:solidFill>
-                <a:latin typeface="Noto Sans InsParthi" panose="020F0502020204030204" pitchFamily="34" charset="0"/>
-                <a:cs typeface="Noto Sans InsParthi" panose="020F0502020204030204" pitchFamily="34" charset="0"/>
-              </a:rPr>
-              <a:t>Cancer</a:t>
-            </a:r>
-          </a:p>
-          <a:p>
-            <a:r>
-              <a:rPr lang="en-GB" sz="1400" dirty="0">
-                <a:solidFill>
-                  <a:schemeClr val="bg1"/>
-                </a:solidFill>
-                <a:latin typeface="Noto Sans InsParthi" panose="020F0502020204030204" pitchFamily="34" charset="0"/>
-                <a:cs typeface="Noto Sans InsParthi" panose="020F0502020204030204" pitchFamily="34" charset="0"/>
-              </a:rPr>
-              <a:t>★★★★★</a:t>
-            </a:r>
-          </a:p>
-        </p:txBody>
-      </p:sp>
-      <p:sp>
-        <p:nvSpPr>
-          <p:cNvPr id="3" name="Rectangle 2">
-            <a:extLst>
-              <a:ext uri="{FF2B5EF4-FFF2-40B4-BE49-F238E27FC236}">
-                <a16:creationId xmlns:a16="http://schemas.microsoft.com/office/drawing/2014/main" id="{1244D7D3-5310-739C-3612-EBDEA39F38E5}"/>
-              </a:ext>
-            </a:extLst>
-          </p:cNvPr>
-          <p:cNvSpPr/>
-          <p:nvPr/>
-        </p:nvSpPr>
-        <p:spPr>
-          <a:xfrm>
-            <a:off x="4355011" y="963131"/>
-            <a:ext cx="1740989" cy="600882"/>
-          </a:xfrm>
-          <a:prstGeom prst="rect">
-            <a:avLst/>
-          </a:prstGeom>
-          <a:solidFill>
-            <a:srgbClr val="2E5287"/>
-          </a:solidFill>
-          <a:ln>
-            <a:solidFill>
-              <a:srgbClr val="2E5287"/>
-            </a:solidFill>
-          </a:ln>
-        </p:spPr>
-        <p:style>
-          <a:lnRef idx="2">
-            <a:schemeClr val="accent1">
-              <a:shade val="50000"/>
-            </a:schemeClr>
-          </a:lnRef>
-          <a:fillRef idx="1">
-            <a:schemeClr val="accent1"/>
-          </a:fillRef>
-          <a:effectRef idx="0">
-            <a:schemeClr val="accent1"/>
-          </a:effectRef>
-          <a:fontRef idx="minor">
-            <a:schemeClr val="lt1"/>
-          </a:fontRef>
-        </p:style>
-        <p:txBody>
-          <a:bodyPr rtlCol="0" anchor="t"/>
-          <a:lstStyle/>
-          <a:p>
-            <a:r>
-              <a:rPr lang="en-GB" sz="1400" dirty="0">
-                <a:solidFill>
-                  <a:schemeClr val="bg1"/>
-                </a:solidFill>
-                <a:latin typeface="Noto Sans InsParthi" panose="020F0502020204030204" pitchFamily="34" charset="0"/>
-                <a:cs typeface="Noto Sans InsParthi" panose="020F0502020204030204" pitchFamily="34" charset="0"/>
-              </a:rPr>
-              <a:t>Cystic fibrosis ★★★☆☆</a:t>
-            </a:r>
-          </a:p>
-        </p:txBody>
-      </p:sp>
-      <p:sp>
-        <p:nvSpPr>
-          <p:cNvPr id="4" name="Rectangle 3">
-            <a:extLst>
-              <a:ext uri="{FF2B5EF4-FFF2-40B4-BE49-F238E27FC236}">
-                <a16:creationId xmlns:a16="http://schemas.microsoft.com/office/drawing/2014/main" id="{3205190B-91E6-0FE1-13E7-EE5CBFDA2C17}"/>
-              </a:ext>
-            </a:extLst>
-          </p:cNvPr>
-          <p:cNvSpPr/>
-          <p:nvPr/>
-        </p:nvSpPr>
-        <p:spPr>
-          <a:xfrm>
-            <a:off x="4355011" y="1675089"/>
-            <a:ext cx="1740989" cy="600882"/>
-          </a:xfrm>
-          <a:prstGeom prst="rect">
-            <a:avLst/>
-          </a:prstGeom>
-          <a:solidFill>
-            <a:srgbClr val="2E5287"/>
-          </a:solidFill>
-          <a:ln>
-            <a:solidFill>
-              <a:srgbClr val="2E5287"/>
-            </a:solidFill>
-          </a:ln>
-        </p:spPr>
-        <p:style>
-          <a:lnRef idx="2">
-            <a:schemeClr val="accent1">
-              <a:shade val="50000"/>
-            </a:schemeClr>
-          </a:lnRef>
-          <a:fillRef idx="1">
-            <a:schemeClr val="accent1"/>
-          </a:fillRef>
-          <a:effectRef idx="0">
-            <a:schemeClr val="accent1"/>
-          </a:effectRef>
-          <a:fontRef idx="minor">
-            <a:schemeClr val="lt1"/>
-          </a:fontRef>
-        </p:style>
-        <p:txBody>
-          <a:bodyPr rtlCol="0" anchor="t"/>
-          <a:lstStyle/>
-          <a:p>
-            <a:r>
-              <a:rPr lang="en-GB" sz="1400" dirty="0">
-                <a:solidFill>
-                  <a:schemeClr val="bg1"/>
-                </a:solidFill>
-                <a:latin typeface="Noto Sans InsParthi" panose="020F0502020204030204" pitchFamily="34" charset="0"/>
-                <a:cs typeface="Noto Sans InsParthi" panose="020F0502020204030204" pitchFamily="34" charset="0"/>
-              </a:rPr>
-              <a:t>Heart failure ★★★☆☆</a:t>
-            </a:r>
-          </a:p>
-        </p:txBody>
-      </p:sp>
-      <p:sp>
-        <p:nvSpPr>
-          <p:cNvPr id="5" name="Rectangle 4">
-            <a:extLst>
-              <a:ext uri="{FF2B5EF4-FFF2-40B4-BE49-F238E27FC236}">
-                <a16:creationId xmlns:a16="http://schemas.microsoft.com/office/drawing/2014/main" id="{D0342F61-4C83-E3E9-968F-3DD9A22CE23E}"/>
-              </a:ext>
-            </a:extLst>
-          </p:cNvPr>
-          <p:cNvSpPr/>
-          <p:nvPr/>
-        </p:nvSpPr>
-        <p:spPr>
-          <a:xfrm>
-            <a:off x="4355011" y="2387047"/>
-            <a:ext cx="1740989" cy="600882"/>
-          </a:xfrm>
-          <a:prstGeom prst="rect">
-            <a:avLst/>
-          </a:prstGeom>
-          <a:solidFill>
-            <a:srgbClr val="2E5287"/>
-          </a:solidFill>
-          <a:ln>
-            <a:solidFill>
-              <a:srgbClr val="2E5287"/>
-            </a:solidFill>
-          </a:ln>
-        </p:spPr>
-        <p:style>
-          <a:lnRef idx="2">
-            <a:schemeClr val="accent1">
-              <a:shade val="50000"/>
-            </a:schemeClr>
-          </a:lnRef>
-          <a:fillRef idx="1">
-            <a:schemeClr val="accent1"/>
-          </a:fillRef>
-          <a:effectRef idx="0">
-            <a:schemeClr val="accent1"/>
-          </a:effectRef>
-          <a:fontRef idx="minor">
-            <a:schemeClr val="lt1"/>
-          </a:fontRef>
-        </p:style>
-        <p:txBody>
-          <a:bodyPr rtlCol="0" anchor="t"/>
-          <a:lstStyle/>
-          <a:p>
-            <a:r>
-              <a:rPr lang="en-GB" sz="1400" dirty="0">
-                <a:solidFill>
-                  <a:schemeClr val="bg1"/>
-                </a:solidFill>
-                <a:latin typeface="Noto Sans InsParthi" panose="020F0502020204030204" pitchFamily="34" charset="0"/>
-                <a:cs typeface="Noto Sans InsParthi" panose="020F0502020204030204" pitchFamily="34" charset="0"/>
-              </a:rPr>
-              <a:t>Atherosclerosis</a:t>
-            </a:r>
-          </a:p>
-          <a:p>
-            <a:r>
-              <a:rPr lang="en-GB" sz="1400" dirty="0">
-                <a:solidFill>
-                  <a:schemeClr val="bg1"/>
-                </a:solidFill>
-                <a:latin typeface="Noto Sans InsParthi" panose="020F0502020204030204" pitchFamily="34" charset="0"/>
-                <a:cs typeface="Noto Sans InsParthi" panose="020F0502020204030204" pitchFamily="34" charset="0"/>
-              </a:rPr>
-              <a:t>★☆★☆★</a:t>
-            </a:r>
-          </a:p>
-        </p:txBody>
-      </p:sp>
-      <p:sp>
-        <p:nvSpPr>
-          <p:cNvPr id="6" name="Rectangle 5">
-            <a:extLst>
-              <a:ext uri="{FF2B5EF4-FFF2-40B4-BE49-F238E27FC236}">
-                <a16:creationId xmlns:a16="http://schemas.microsoft.com/office/drawing/2014/main" id="{D19D69C6-5E30-6548-B242-A9AA882F15E0}"/>
-              </a:ext>
-            </a:extLst>
-          </p:cNvPr>
-          <p:cNvSpPr/>
-          <p:nvPr/>
-        </p:nvSpPr>
-        <p:spPr>
-          <a:xfrm>
-            <a:off x="4355013" y="251173"/>
-            <a:ext cx="1740989" cy="600882"/>
-          </a:xfrm>
-          <a:prstGeom prst="rect">
-            <a:avLst/>
-          </a:prstGeom>
-          <a:solidFill>
-            <a:srgbClr val="2E5287"/>
-          </a:solidFill>
-          <a:ln>
-            <a:solidFill>
-              <a:srgbClr val="2E5287"/>
-            </a:solidFill>
-          </a:ln>
-        </p:spPr>
-        <p:style>
-          <a:lnRef idx="2">
-            <a:schemeClr val="accent1">
-              <a:shade val="50000"/>
-            </a:schemeClr>
-          </a:lnRef>
-          <a:fillRef idx="1">
-            <a:schemeClr val="accent1"/>
-          </a:fillRef>
-          <a:effectRef idx="0">
-            <a:schemeClr val="accent1"/>
-          </a:effectRef>
-          <a:fontRef idx="minor">
-            <a:schemeClr val="lt1"/>
-          </a:fontRef>
-        </p:style>
-        <p:txBody>
-          <a:bodyPr rtlCol="0" anchor="t"/>
-          <a:lstStyle/>
-          <a:p>
-            <a:r>
-              <a:rPr lang="en-GB" sz="1400" dirty="0">
-                <a:solidFill>
-                  <a:schemeClr val="bg1"/>
-                </a:solidFill>
-                <a:latin typeface="Noto Sans InsParthi" panose="020F0502020204030204" pitchFamily="34" charset="0"/>
-                <a:cs typeface="Noto Sans InsParthi" panose="020F0502020204030204" pitchFamily="34" charset="0"/>
-              </a:rPr>
-              <a:t>Sarcopenia</a:t>
-            </a:r>
-          </a:p>
-          <a:p>
-            <a:r>
-              <a:rPr lang="en-GB" sz="1400" dirty="0">
-                <a:solidFill>
-                  <a:schemeClr val="bg1"/>
-                </a:solidFill>
-                <a:latin typeface="Noto Sans InsParthi" panose="020F0502020204030204" pitchFamily="34" charset="0"/>
-                <a:cs typeface="Noto Sans InsParthi" panose="020F0502020204030204" pitchFamily="34" charset="0"/>
-              </a:rPr>
-              <a:t>★★★☆☆</a:t>
-            </a:r>
-          </a:p>
-        </p:txBody>
-      </p:sp>
-      <p:sp>
-        <p:nvSpPr>
-          <p:cNvPr id="7" name="Rectangle 6">
-            <a:extLst>
-              <a:ext uri="{FF2B5EF4-FFF2-40B4-BE49-F238E27FC236}">
-                <a16:creationId xmlns:a16="http://schemas.microsoft.com/office/drawing/2014/main" id="{81B1A62E-F147-7A41-6828-CACC62B81F72}"/>
-              </a:ext>
-            </a:extLst>
-          </p:cNvPr>
-          <p:cNvSpPr/>
-          <p:nvPr/>
-        </p:nvSpPr>
-        <p:spPr>
-          <a:xfrm>
-            <a:off x="4355010" y="3104036"/>
-            <a:ext cx="1740989" cy="600882"/>
-          </a:xfrm>
-          <a:prstGeom prst="rect">
-            <a:avLst/>
-          </a:prstGeom>
-          <a:solidFill>
-            <a:srgbClr val="2E5287"/>
-          </a:solidFill>
-          <a:ln>
-            <a:solidFill>
-              <a:srgbClr val="2E5287"/>
-            </a:solidFill>
-          </a:ln>
-        </p:spPr>
-        <p:style>
-          <a:lnRef idx="2">
-            <a:schemeClr val="accent1">
-              <a:shade val="50000"/>
-            </a:schemeClr>
-          </a:lnRef>
-          <a:fillRef idx="1">
-            <a:schemeClr val="accent1"/>
-          </a:fillRef>
-          <a:effectRef idx="0">
-            <a:schemeClr val="accent1"/>
-          </a:effectRef>
-          <a:fontRef idx="minor">
-            <a:schemeClr val="lt1"/>
-          </a:fontRef>
-        </p:style>
-        <p:txBody>
-          <a:bodyPr rtlCol="0" anchor="t"/>
-          <a:lstStyle/>
-          <a:p>
-            <a:r>
-              <a:rPr lang="en-GB" sz="1400" dirty="0">
-                <a:solidFill>
-                  <a:schemeClr val="bg1"/>
-                </a:solidFill>
-                <a:latin typeface="Noto Sans InsParthi" panose="020F0502020204030204" pitchFamily="34" charset="0"/>
-                <a:cs typeface="Noto Sans InsParthi" panose="020F0502020204030204" pitchFamily="34" charset="0"/>
-              </a:rPr>
-              <a:t>Osteoarthritis</a:t>
-            </a:r>
-          </a:p>
-          <a:p>
-            <a:r>
-              <a:rPr lang="en-GB" sz="1400" dirty="0">
-                <a:solidFill>
-                  <a:schemeClr val="bg1"/>
-                </a:solidFill>
-                <a:latin typeface="Noto Sans InsParthi" panose="020F0502020204030204" pitchFamily="34" charset="0"/>
-                <a:cs typeface="Noto Sans InsParthi" panose="020F0502020204030204" pitchFamily="34" charset="0"/>
-              </a:rPr>
-              <a:t>★★☆☆☆</a:t>
-            </a:r>
-          </a:p>
-        </p:txBody>
-      </p:sp>
-      <p:sp>
-        <p:nvSpPr>
-          <p:cNvPr id="8" name="Rectangle 7">
-            <a:extLst>
-              <a:ext uri="{FF2B5EF4-FFF2-40B4-BE49-F238E27FC236}">
-                <a16:creationId xmlns:a16="http://schemas.microsoft.com/office/drawing/2014/main" id="{4F357864-DEDC-3913-976E-717C61FA6213}"/>
-              </a:ext>
-            </a:extLst>
-          </p:cNvPr>
-          <p:cNvSpPr/>
-          <p:nvPr/>
-        </p:nvSpPr>
-        <p:spPr>
-          <a:xfrm>
-            <a:off x="6373156" y="963131"/>
-            <a:ext cx="1740989" cy="600882"/>
-          </a:xfrm>
-          <a:prstGeom prst="rect">
-            <a:avLst/>
-          </a:prstGeom>
-          <a:solidFill>
-            <a:srgbClr val="2E5287"/>
-          </a:solidFill>
-          <a:ln>
-            <a:solidFill>
-              <a:srgbClr val="2E5287"/>
-            </a:solidFill>
-          </a:ln>
-        </p:spPr>
-        <p:style>
-          <a:lnRef idx="2">
-            <a:schemeClr val="accent1">
-              <a:shade val="50000"/>
-            </a:schemeClr>
-          </a:lnRef>
-          <a:fillRef idx="1">
-            <a:schemeClr val="accent1"/>
-          </a:fillRef>
-          <a:effectRef idx="0">
-            <a:schemeClr val="accent1"/>
-          </a:effectRef>
-          <a:fontRef idx="minor">
-            <a:schemeClr val="lt1"/>
-          </a:fontRef>
-        </p:style>
-        <p:txBody>
-          <a:bodyPr rtlCol="0" anchor="t"/>
-          <a:lstStyle/>
-          <a:p>
-            <a:r>
-              <a:rPr lang="en-GB" sz="1400" dirty="0">
-                <a:solidFill>
-                  <a:schemeClr val="bg1"/>
-                </a:solidFill>
-                <a:latin typeface="Noto Sans InsParthi" panose="020F0502020204030204" pitchFamily="34" charset="0"/>
-                <a:cs typeface="Noto Sans InsParthi" panose="020F0502020204030204" pitchFamily="34" charset="0"/>
-              </a:rPr>
-              <a:t>Diabetic kidney disease  ★☆☆☆☆</a:t>
-            </a:r>
-          </a:p>
-        </p:txBody>
-      </p:sp>
-      <p:sp>
-        <p:nvSpPr>
-          <p:cNvPr id="10" name="Rectangle 9">
-            <a:extLst>
-              <a:ext uri="{FF2B5EF4-FFF2-40B4-BE49-F238E27FC236}">
-                <a16:creationId xmlns:a16="http://schemas.microsoft.com/office/drawing/2014/main" id="{E62A052D-F375-9356-D271-BADC4B6D8926}"/>
-              </a:ext>
-            </a:extLst>
-          </p:cNvPr>
-          <p:cNvSpPr/>
-          <p:nvPr/>
-        </p:nvSpPr>
-        <p:spPr>
-          <a:xfrm>
-            <a:off x="6373156" y="1675089"/>
-            <a:ext cx="1740989" cy="600882"/>
-          </a:xfrm>
-          <a:prstGeom prst="rect">
-            <a:avLst/>
-          </a:prstGeom>
-          <a:solidFill>
-            <a:srgbClr val="2E5287"/>
-          </a:solidFill>
-          <a:ln>
-            <a:solidFill>
-              <a:srgbClr val="2E5287"/>
-            </a:solidFill>
-          </a:ln>
-        </p:spPr>
-        <p:style>
-          <a:lnRef idx="2">
-            <a:schemeClr val="accent1">
-              <a:shade val="50000"/>
-            </a:schemeClr>
-          </a:lnRef>
-          <a:fillRef idx="1">
-            <a:schemeClr val="accent1"/>
-          </a:fillRef>
-          <a:effectRef idx="0">
-            <a:schemeClr val="accent1"/>
-          </a:effectRef>
-          <a:fontRef idx="minor">
-            <a:schemeClr val="lt1"/>
-          </a:fontRef>
-        </p:style>
-        <p:txBody>
-          <a:bodyPr rtlCol="0" anchor="t"/>
-          <a:lstStyle/>
-          <a:p>
-            <a:r>
-              <a:rPr lang="en-GB" sz="1400" dirty="0">
-                <a:solidFill>
-                  <a:schemeClr val="bg1"/>
-                </a:solidFill>
-                <a:latin typeface="Noto Sans InsParthi" panose="020F0502020204030204" pitchFamily="34" charset="0"/>
-                <a:cs typeface="Noto Sans InsParthi" panose="020F0502020204030204" pitchFamily="34" charset="0"/>
-              </a:rPr>
-              <a:t>Atopic dermatitis</a:t>
-            </a:r>
-          </a:p>
-          <a:p>
-            <a:r>
-              <a:rPr lang="en-GB" sz="1400" dirty="0">
-                <a:solidFill>
-                  <a:schemeClr val="bg1"/>
-                </a:solidFill>
-                <a:latin typeface="Noto Sans InsParthi" panose="020F0502020204030204" pitchFamily="34" charset="0"/>
-                <a:cs typeface="Noto Sans InsParthi" panose="020F0502020204030204" pitchFamily="34" charset="0"/>
-              </a:rPr>
-              <a:t>★☆☆☆☆</a:t>
-            </a:r>
-          </a:p>
-        </p:txBody>
-      </p:sp>
-      <p:sp>
-        <p:nvSpPr>
-          <p:cNvPr id="11" name="Rectangle 10">
-            <a:extLst>
-              <a:ext uri="{FF2B5EF4-FFF2-40B4-BE49-F238E27FC236}">
-                <a16:creationId xmlns:a16="http://schemas.microsoft.com/office/drawing/2014/main" id="{1AEF4773-062E-5554-3096-E66136BEBE15}"/>
-              </a:ext>
-            </a:extLst>
-          </p:cNvPr>
-          <p:cNvSpPr/>
-          <p:nvPr/>
-        </p:nvSpPr>
-        <p:spPr>
-          <a:xfrm>
-            <a:off x="6373156" y="2387047"/>
-            <a:ext cx="1740989" cy="600882"/>
-          </a:xfrm>
-          <a:prstGeom prst="rect">
-            <a:avLst/>
-          </a:prstGeom>
-          <a:solidFill>
-            <a:srgbClr val="2E5287"/>
-          </a:solidFill>
-          <a:ln>
-            <a:solidFill>
-              <a:srgbClr val="2E5287"/>
-            </a:solidFill>
-          </a:ln>
-        </p:spPr>
-        <p:style>
-          <a:lnRef idx="2">
-            <a:schemeClr val="accent1">
-              <a:shade val="50000"/>
-            </a:schemeClr>
-          </a:lnRef>
-          <a:fillRef idx="1">
-            <a:schemeClr val="accent1"/>
-          </a:fillRef>
-          <a:effectRef idx="0">
-            <a:schemeClr val="accent1"/>
-          </a:effectRef>
-          <a:fontRef idx="minor">
-            <a:schemeClr val="lt1"/>
-          </a:fontRef>
-        </p:style>
-        <p:txBody>
-          <a:bodyPr rtlCol="0" anchor="t"/>
-          <a:lstStyle/>
-          <a:p>
-            <a:r>
-              <a:rPr lang="en-GB" sz="1400" dirty="0">
-                <a:solidFill>
-                  <a:schemeClr val="bg1"/>
-                </a:solidFill>
-                <a:latin typeface="Noto Sans InsParthi" panose="020F0502020204030204" pitchFamily="34" charset="0"/>
-                <a:cs typeface="Noto Sans InsParthi" panose="020F0502020204030204" pitchFamily="34" charset="0"/>
-              </a:rPr>
-              <a:t>Psoriasis</a:t>
-            </a:r>
-          </a:p>
-          <a:p>
-            <a:r>
-              <a:rPr lang="en-GB" sz="1400" dirty="0">
-                <a:solidFill>
-                  <a:schemeClr val="bg1"/>
-                </a:solidFill>
-                <a:latin typeface="Noto Sans InsParthi" panose="020F0502020204030204" pitchFamily="34" charset="0"/>
-                <a:cs typeface="Noto Sans InsParthi" panose="020F0502020204030204" pitchFamily="34" charset="0"/>
-              </a:rPr>
-              <a:t>★☆☆☆☆</a:t>
-            </a:r>
-          </a:p>
-        </p:txBody>
-      </p:sp>
-      <p:sp>
-        <p:nvSpPr>
-          <p:cNvPr id="12" name="Rectangle 11">
-            <a:extLst>
-              <a:ext uri="{FF2B5EF4-FFF2-40B4-BE49-F238E27FC236}">
-                <a16:creationId xmlns:a16="http://schemas.microsoft.com/office/drawing/2014/main" id="{2120B74B-4C99-258D-EF4B-6256EB23B679}"/>
-              </a:ext>
-            </a:extLst>
-          </p:cNvPr>
-          <p:cNvSpPr/>
-          <p:nvPr/>
-        </p:nvSpPr>
-        <p:spPr>
-          <a:xfrm>
-            <a:off x="6373158" y="251173"/>
-            <a:ext cx="1740989" cy="600882"/>
-          </a:xfrm>
-          <a:prstGeom prst="rect">
-            <a:avLst/>
-          </a:prstGeom>
-          <a:solidFill>
-            <a:srgbClr val="2E5287"/>
-          </a:solidFill>
-          <a:ln>
-            <a:solidFill>
-              <a:srgbClr val="2E5287"/>
-            </a:solidFill>
-          </a:ln>
-        </p:spPr>
-        <p:style>
-          <a:lnRef idx="2">
-            <a:schemeClr val="accent1">
-              <a:shade val="50000"/>
-            </a:schemeClr>
-          </a:lnRef>
-          <a:fillRef idx="1">
-            <a:schemeClr val="accent1"/>
-          </a:fillRef>
-          <a:effectRef idx="0">
-            <a:schemeClr val="accent1"/>
-          </a:effectRef>
-          <a:fontRef idx="minor">
-            <a:schemeClr val="lt1"/>
-          </a:fontRef>
-        </p:style>
-        <p:txBody>
-          <a:bodyPr rtlCol="0" anchor="t"/>
-          <a:lstStyle/>
-          <a:p>
-            <a:r>
-              <a:rPr lang="en-GB" sz="1400" dirty="0">
-                <a:solidFill>
-                  <a:schemeClr val="bg1"/>
-                </a:solidFill>
-                <a:latin typeface="Noto Sans InsParthi" panose="020F0502020204030204" pitchFamily="34" charset="0"/>
-                <a:cs typeface="Noto Sans InsParthi" panose="020F0502020204030204" pitchFamily="34" charset="0"/>
-              </a:rPr>
-              <a:t>Sjogren’s syndrome</a:t>
-            </a:r>
-          </a:p>
-          <a:p>
-            <a:r>
-              <a:rPr lang="en-GB" sz="1400" dirty="0">
-                <a:solidFill>
-                  <a:schemeClr val="bg1"/>
-                </a:solidFill>
-                <a:latin typeface="Noto Sans InsParthi" panose="020F0502020204030204" pitchFamily="34" charset="0"/>
-                <a:cs typeface="Noto Sans InsParthi" panose="020F0502020204030204" pitchFamily="34" charset="0"/>
-              </a:rPr>
-              <a:t>★☆☆☆☆</a:t>
-            </a:r>
-          </a:p>
-        </p:txBody>
-      </p:sp>
-      <p:sp>
-        <p:nvSpPr>
-          <p:cNvPr id="16" name="Rectangle 15">
-            <a:extLst>
-              <a:ext uri="{FF2B5EF4-FFF2-40B4-BE49-F238E27FC236}">
-                <a16:creationId xmlns:a16="http://schemas.microsoft.com/office/drawing/2014/main" id="{5D607F92-3F70-621B-06FE-A027F6A79A09}"/>
-              </a:ext>
-            </a:extLst>
-          </p:cNvPr>
-          <p:cNvSpPr/>
-          <p:nvPr/>
-        </p:nvSpPr>
-        <p:spPr>
-          <a:xfrm>
-            <a:off x="6373155" y="3104036"/>
-            <a:ext cx="1740989" cy="600882"/>
-          </a:xfrm>
-          <a:prstGeom prst="rect">
-            <a:avLst/>
-          </a:prstGeom>
-          <a:solidFill>
-            <a:srgbClr val="2E5287"/>
-          </a:solidFill>
-          <a:ln>
-            <a:solidFill>
-              <a:srgbClr val="2E5287"/>
-            </a:solidFill>
-          </a:ln>
-        </p:spPr>
-        <p:style>
-          <a:lnRef idx="2">
-            <a:schemeClr val="accent1">
-              <a:shade val="50000"/>
-            </a:schemeClr>
-          </a:lnRef>
-          <a:fillRef idx="1">
-            <a:schemeClr val="accent1"/>
-          </a:fillRef>
-          <a:effectRef idx="0">
-            <a:schemeClr val="accent1"/>
-          </a:effectRef>
-          <a:fontRef idx="minor">
-            <a:schemeClr val="lt1"/>
-          </a:fontRef>
-        </p:style>
-        <p:txBody>
-          <a:bodyPr rtlCol="0" anchor="t"/>
-          <a:lstStyle/>
-          <a:p>
-            <a:r>
-              <a:rPr lang="en-GB" sz="1400" dirty="0">
-                <a:solidFill>
-                  <a:schemeClr val="bg1"/>
-                </a:solidFill>
-                <a:latin typeface="Noto Sans InsParthi" panose="020F0502020204030204" pitchFamily="34" charset="0"/>
-                <a:cs typeface="Noto Sans InsParthi" panose="020F0502020204030204" pitchFamily="34" charset="0"/>
-              </a:rPr>
-              <a:t>Liver steatosis ★☆☆☆☆</a:t>
-            </a:r>
-          </a:p>
-        </p:txBody>
-      </p:sp>
-      <p:sp>
-        <p:nvSpPr>
-          <p:cNvPr id="21" name="Rectangle 20">
-            <a:extLst>
-              <a:ext uri="{FF2B5EF4-FFF2-40B4-BE49-F238E27FC236}">
-                <a16:creationId xmlns:a16="http://schemas.microsoft.com/office/drawing/2014/main" id="{E7336B16-6CCB-22A2-6DFE-A4C9C4CFC7B7}"/>
-              </a:ext>
-            </a:extLst>
-          </p:cNvPr>
-          <p:cNvSpPr/>
-          <p:nvPr/>
-        </p:nvSpPr>
-        <p:spPr>
-          <a:xfrm>
-            <a:off x="6373155" y="3826367"/>
-            <a:ext cx="1740989" cy="600882"/>
-          </a:xfrm>
-          <a:prstGeom prst="rect">
-            <a:avLst/>
-          </a:prstGeom>
-          <a:solidFill>
-            <a:srgbClr val="2E5287"/>
-          </a:solidFill>
-          <a:ln>
-            <a:solidFill>
-              <a:srgbClr val="2E5287"/>
-            </a:solidFill>
-          </a:ln>
-        </p:spPr>
-        <p:style>
-          <a:lnRef idx="2">
-            <a:schemeClr val="accent1">
-              <a:shade val="50000"/>
-            </a:schemeClr>
-          </a:lnRef>
-          <a:fillRef idx="1">
-            <a:schemeClr val="accent1"/>
-          </a:fillRef>
-          <a:effectRef idx="0">
-            <a:schemeClr val="accent1"/>
-          </a:effectRef>
-          <a:fontRef idx="minor">
-            <a:schemeClr val="lt1"/>
-          </a:fontRef>
-        </p:style>
-        <p:txBody>
-          <a:bodyPr rtlCol="0" anchor="t"/>
-          <a:lstStyle/>
-          <a:p>
-            <a:r>
-              <a:rPr lang="en-GB" sz="1400" dirty="0">
-                <a:solidFill>
-                  <a:schemeClr val="bg1"/>
-                </a:solidFill>
-                <a:latin typeface="Noto Sans InsParthi" panose="020F0502020204030204" pitchFamily="34" charset="0"/>
-                <a:cs typeface="Noto Sans InsParthi" panose="020F0502020204030204" pitchFamily="34" charset="0"/>
-              </a:rPr>
-              <a:t>Cholestasis</a:t>
-            </a:r>
-          </a:p>
-          <a:p>
-            <a:r>
-              <a:rPr lang="en-GB" sz="1400" dirty="0">
-                <a:solidFill>
-                  <a:schemeClr val="bg1"/>
-                </a:solidFill>
-                <a:latin typeface="Noto Sans InsParthi" panose="020F0502020204030204" pitchFamily="34" charset="0"/>
-                <a:cs typeface="Noto Sans InsParthi" panose="020F0502020204030204" pitchFamily="34" charset="0"/>
-              </a:rPr>
-              <a:t>★☆☆☆☆</a:t>
-            </a:r>
-          </a:p>
-        </p:txBody>
-      </p:sp>
-      <p:grpSp>
-        <p:nvGrpSpPr>
-          <p:cNvPr id="30" name="Group 29">
-            <a:extLst>
-              <a:ext uri="{FF2B5EF4-FFF2-40B4-BE49-F238E27FC236}">
-                <a16:creationId xmlns:a16="http://schemas.microsoft.com/office/drawing/2014/main" id="{9FB2F2DC-EFD6-E317-5FB2-C3AB7EAA7D9A}"/>
-              </a:ext>
-            </a:extLst>
-          </p:cNvPr>
-          <p:cNvGrpSpPr/>
-          <p:nvPr/>
-        </p:nvGrpSpPr>
-        <p:grpSpPr>
-          <a:xfrm>
-            <a:off x="2098558" y="238731"/>
-            <a:ext cx="1766042" cy="611255"/>
-            <a:chOff x="2098558" y="238731"/>
-            <a:chExt cx="1766042" cy="611255"/>
-          </a:xfrm>
-        </p:grpSpPr>
-        <p:pic>
-          <p:nvPicPr>
-            <p:cNvPr id="15" name="Picture 14" descr="A close-up of a network&#10;&#10;Description automatically generated">
-              <a:extLst>
-                <a:ext uri="{FF2B5EF4-FFF2-40B4-BE49-F238E27FC236}">
-                  <a16:creationId xmlns:a16="http://schemas.microsoft.com/office/drawing/2014/main" id="{2B913398-F298-8729-D567-B24AD42C1556}"/>
-                </a:ext>
-              </a:extLst>
-            </p:cNvPr>
-            <p:cNvPicPr>
-              <a:picLocks noChangeAspect="1"/>
-            </p:cNvPicPr>
-            <p:nvPr/>
-          </p:nvPicPr>
-          <p:blipFill>
-            <a:blip r:embed="rId2"/>
-            <a:stretch>
-              <a:fillRect/>
-            </a:stretch>
-          </p:blipFill>
-          <p:spPr>
-            <a:xfrm>
-              <a:off x="2098558" y="249104"/>
-              <a:ext cx="1740989" cy="600882"/>
-            </a:xfrm>
-            <a:prstGeom prst="rect">
-              <a:avLst/>
-            </a:prstGeom>
-          </p:spPr>
-        </p:pic>
-        <p:sp>
-          <p:nvSpPr>
-            <p:cNvPr id="28" name="TextBox 27">
-              <a:extLst>
-                <a:ext uri="{FF2B5EF4-FFF2-40B4-BE49-F238E27FC236}">
-                  <a16:creationId xmlns:a16="http://schemas.microsoft.com/office/drawing/2014/main" id="{B16EB08E-5EE2-4594-26C7-D189F58EBF64}"/>
-                </a:ext>
-              </a:extLst>
-            </p:cNvPr>
-            <p:cNvSpPr txBox="1"/>
-            <p:nvPr/>
-          </p:nvSpPr>
-          <p:spPr>
-            <a:xfrm>
-              <a:off x="2123612" y="238731"/>
-              <a:ext cx="1740988" cy="523220"/>
-            </a:xfrm>
-            <a:prstGeom prst="rect">
-              <a:avLst/>
-            </a:prstGeom>
-            <a:noFill/>
-          </p:spPr>
-          <p:txBody>
-            <a:bodyPr wrap="square" rtlCol="0">
-              <a:spAutoFit/>
-            </a:bodyPr>
-            <a:lstStyle/>
-            <a:p>
-              <a:r>
-                <a:rPr lang="en-GB" sz="1400" dirty="0">
-                  <a:solidFill>
-                    <a:schemeClr val="bg1"/>
-                  </a:solidFill>
-                  <a:latin typeface="Noto Sans InsParthi" panose="020F0502020204030204" pitchFamily="34" charset="0"/>
-                  <a:cs typeface="Noto Sans InsParthi" panose="020F0502020204030204" pitchFamily="34" charset="0"/>
-                </a:rPr>
-                <a:t>COVID-19</a:t>
-              </a:r>
-            </a:p>
-            <a:p>
-              <a:r>
-                <a:rPr lang="en-GB" sz="1400" dirty="0">
-                  <a:solidFill>
-                    <a:schemeClr val="bg1"/>
-                  </a:solidFill>
-                  <a:latin typeface="Noto Sans InsParthi" panose="020F0502020204030204" pitchFamily="34" charset="0"/>
-                  <a:cs typeface="Noto Sans InsParthi" panose="020F0502020204030204" pitchFamily="34" charset="0"/>
-                </a:rPr>
-                <a:t>★★★★★</a:t>
-              </a:r>
-            </a:p>
-          </p:txBody>
-        </p:sp>
-      </p:grpSp>
-    </p:spTree>
-    <p:extLst>
-      <p:ext uri="{BB962C8B-B14F-4D97-AF65-F5344CB8AC3E}">
-        <p14:creationId xmlns:p14="http://schemas.microsoft.com/office/powerpoint/2010/main" val="1257502332"/>
       </p:ext>
     </p:extLst>
   </p:cSld>
